--- a/final_report/diagrams.pptx
+++ b/final_report/diagrams.pptx
@@ -5199,6 +5199,181 @@
           </a:p>
         </p:txBody>
       </p:sp>
+      <p:sp>
+        <p:nvSpPr>
+          <p:cNvPr id="2" name="Diamond 1">
+            <a:extLst>
+              <a:ext uri="{FF2B5EF4-FFF2-40B4-BE49-F238E27FC236}">
+                <a16:creationId xmlns:a16="http://schemas.microsoft.com/office/drawing/2014/main" id="{3F78CF30-FEB3-4987-B35B-187CA06F4A64}"/>
+              </a:ext>
+            </a:extLst>
+          </p:cNvPr>
+          <p:cNvSpPr/>
+          <p:nvPr/>
+        </p:nvSpPr>
+        <p:spPr>
+          <a:xfrm>
+            <a:off x="3011049" y="5334354"/>
+            <a:ext cx="641788" cy="612196"/>
+          </a:xfrm>
+          <a:prstGeom prst="diamond">
+            <a:avLst/>
+          </a:prstGeom>
+          <a:solidFill>
+            <a:schemeClr val="accent5">
+              <a:lumMod val="40000"/>
+              <a:lumOff val="60000"/>
+            </a:schemeClr>
+          </a:solidFill>
+        </p:spPr>
+        <p:style>
+          <a:lnRef idx="2">
+            <a:schemeClr val="accent5">
+              <a:shade val="50000"/>
+            </a:schemeClr>
+          </a:lnRef>
+          <a:fillRef idx="1">
+            <a:schemeClr val="accent5"/>
+          </a:fillRef>
+          <a:effectRef idx="0">
+            <a:schemeClr val="accent5"/>
+          </a:effectRef>
+          <a:fontRef idx="minor">
+            <a:schemeClr val="lt1"/>
+          </a:fontRef>
+        </p:style>
+        <p:txBody>
+          <a:bodyPr rtlCol="0" anchor="ctr"/>
+          <a:lstStyle/>
+          <a:p>
+            <a:pPr algn="ctr"/>
+            <a:endParaRPr lang="en-US" sz="800" dirty="0">
+              <a:solidFill>
+                <a:schemeClr val="tx1"/>
+              </a:solidFill>
+              <a:latin typeface="Times New Roman" panose="02020603050405020304" pitchFamily="18" charset="0"/>
+              <a:cs typeface="Times New Roman" panose="02020603050405020304" pitchFamily="18" charset="0"/>
+            </a:endParaRPr>
+          </a:p>
+        </p:txBody>
+      </p:sp>
+      <p:sp>
+        <p:nvSpPr>
+          <p:cNvPr id="3" name="TextBox 2">
+            <a:extLst>
+              <a:ext uri="{FF2B5EF4-FFF2-40B4-BE49-F238E27FC236}">
+                <a16:creationId xmlns:a16="http://schemas.microsoft.com/office/drawing/2014/main" id="{189CE160-9633-4913-B19E-09F58E276658}"/>
+              </a:ext>
+            </a:extLst>
+          </p:cNvPr>
+          <p:cNvSpPr txBox="1"/>
+          <p:nvPr/>
+        </p:nvSpPr>
+        <p:spPr>
+          <a:xfrm>
+            <a:off x="2953757" y="5466737"/>
+            <a:ext cx="756373" cy="369332"/>
+          </a:xfrm>
+          <a:prstGeom prst="rect">
+            <a:avLst/>
+          </a:prstGeom>
+          <a:noFill/>
+        </p:spPr>
+        <p:txBody>
+          <a:bodyPr wrap="square" rtlCol="0">
+            <a:spAutoFit/>
+          </a:bodyPr>
+          <a:lstStyle/>
+          <a:p>
+            <a:pPr algn="ctr"/>
+            <a:r>
+              <a:rPr lang="en-US" sz="870" dirty="0">
+                <a:latin typeface="Times New Roman" panose="02020603050405020304" pitchFamily="18" charset="0"/>
+                <a:cs typeface="Times New Roman" panose="02020603050405020304" pitchFamily="18" charset="0"/>
+              </a:rPr>
+              <a:t>All batches finished</a:t>
+            </a:r>
+          </a:p>
+        </p:txBody>
+      </p:sp>
+      <p:sp>
+        <p:nvSpPr>
+          <p:cNvPr id="45" name="TextBox 44">
+            <a:extLst>
+              <a:ext uri="{FF2B5EF4-FFF2-40B4-BE49-F238E27FC236}">
+                <a16:creationId xmlns:a16="http://schemas.microsoft.com/office/drawing/2014/main" id="{499DC68E-15D8-405C-86E1-CD24F1DC3D94}"/>
+              </a:ext>
+            </a:extLst>
+          </p:cNvPr>
+          <p:cNvSpPr txBox="1"/>
+          <p:nvPr/>
+        </p:nvSpPr>
+        <p:spPr>
+          <a:xfrm>
+            <a:off x="2156596" y="5412605"/>
+            <a:ext cx="756373" cy="230832"/>
+          </a:xfrm>
+          <a:prstGeom prst="rect">
+            <a:avLst/>
+          </a:prstGeom>
+          <a:noFill/>
+        </p:spPr>
+        <p:txBody>
+          <a:bodyPr wrap="square" rtlCol="0">
+            <a:spAutoFit/>
+          </a:bodyPr>
+          <a:lstStyle/>
+          <a:p>
+            <a:pPr algn="ctr"/>
+            <a:r>
+              <a:rPr lang="en-US" sz="900" dirty="0">
+                <a:latin typeface="Times New Roman" panose="02020603050405020304" pitchFamily="18" charset="0"/>
+                <a:cs typeface="Times New Roman" panose="02020603050405020304" pitchFamily="18" charset="0"/>
+              </a:rPr>
+              <a:t>True</a:t>
+            </a:r>
+          </a:p>
+        </p:txBody>
+      </p:sp>
+      <p:sp>
+        <p:nvSpPr>
+          <p:cNvPr id="46" name="TextBox 45">
+            <a:extLst>
+              <a:ext uri="{FF2B5EF4-FFF2-40B4-BE49-F238E27FC236}">
+                <a16:creationId xmlns:a16="http://schemas.microsoft.com/office/drawing/2014/main" id="{128BCB42-1EA6-454F-89BF-63666419FF88}"/>
+              </a:ext>
+            </a:extLst>
+          </p:cNvPr>
+          <p:cNvSpPr txBox="1"/>
+          <p:nvPr/>
+        </p:nvSpPr>
+        <p:spPr>
+          <a:xfrm>
+            <a:off x="3125071" y="5155699"/>
+            <a:ext cx="756373" cy="230832"/>
+          </a:xfrm>
+          <a:prstGeom prst="rect">
+            <a:avLst/>
+          </a:prstGeom>
+          <a:noFill/>
+        </p:spPr>
+        <p:txBody>
+          <a:bodyPr wrap="square" rtlCol="0">
+            <a:spAutoFit/>
+          </a:bodyPr>
+          <a:lstStyle/>
+          <a:p>
+            <a:pPr algn="ctr"/>
+            <a:r>
+              <a:rPr lang="en-US" sz="900" dirty="0">
+                <a:latin typeface="Times New Roman" panose="02020603050405020304" pitchFamily="18" charset="0"/>
+                <a:cs typeface="Times New Roman" panose="02020603050405020304" pitchFamily="18" charset="0"/>
+              </a:rPr>
+              <a:t>False</a:t>
+            </a:r>
+          </a:p>
+        </p:txBody>
+      </p:sp>
     </p:spTree>
     <p:extLst>
       <p:ext uri="{BB962C8B-B14F-4D97-AF65-F5344CB8AC3E}">
